--- a/artifacts/demo/Gen_AI_Data Profiling.pptx
+++ b/artifacts/demo/Gen_AI_Data Profiling.pptx
@@ -251,7 +251,7 @@
           <a:p>
             <a:fld id="{009A3451-371B-4910-B457-23E4DC0D29D3}" type="datetimeFigureOut">
               <a:rPr lang="en-IN" smtClean="0"/>
-              <a:t>26/03/25</a:t>
+              <a:t>27/03/25</a:t>
             </a:fld>
             <a:endParaRPr lang="en-IN"/>
           </a:p>
@@ -421,7 +421,7 @@
           <a:p>
             <a:fld id="{009A3451-371B-4910-B457-23E4DC0D29D3}" type="datetimeFigureOut">
               <a:rPr lang="en-IN" smtClean="0"/>
-              <a:t>26/03/25</a:t>
+              <a:t>27/03/25</a:t>
             </a:fld>
             <a:endParaRPr lang="en-IN"/>
           </a:p>
@@ -601,7 +601,7 @@
           <a:p>
             <a:fld id="{009A3451-371B-4910-B457-23E4DC0D29D3}" type="datetimeFigureOut">
               <a:rPr lang="en-IN" smtClean="0"/>
-              <a:t>26/03/25</a:t>
+              <a:t>27/03/25</a:t>
             </a:fld>
             <a:endParaRPr lang="en-IN"/>
           </a:p>
@@ -771,7 +771,7 @@
           <a:p>
             <a:fld id="{009A3451-371B-4910-B457-23E4DC0D29D3}" type="datetimeFigureOut">
               <a:rPr lang="en-IN" smtClean="0"/>
-              <a:t>26/03/25</a:t>
+              <a:t>27/03/25</a:t>
             </a:fld>
             <a:endParaRPr lang="en-IN"/>
           </a:p>
@@ -1017,7 +1017,7 @@
           <a:p>
             <a:fld id="{009A3451-371B-4910-B457-23E4DC0D29D3}" type="datetimeFigureOut">
               <a:rPr lang="en-IN" smtClean="0"/>
-              <a:t>26/03/25</a:t>
+              <a:t>27/03/25</a:t>
             </a:fld>
             <a:endParaRPr lang="en-IN"/>
           </a:p>
@@ -1249,7 +1249,7 @@
           <a:p>
             <a:fld id="{009A3451-371B-4910-B457-23E4DC0D29D3}" type="datetimeFigureOut">
               <a:rPr lang="en-IN" smtClean="0"/>
-              <a:t>26/03/25</a:t>
+              <a:t>27/03/25</a:t>
             </a:fld>
             <a:endParaRPr lang="en-IN"/>
           </a:p>
@@ -1616,7 +1616,7 @@
           <a:p>
             <a:fld id="{009A3451-371B-4910-B457-23E4DC0D29D3}" type="datetimeFigureOut">
               <a:rPr lang="en-IN" smtClean="0"/>
-              <a:t>26/03/25</a:t>
+              <a:t>27/03/25</a:t>
             </a:fld>
             <a:endParaRPr lang="en-IN"/>
           </a:p>
@@ -1734,7 +1734,7 @@
           <a:p>
             <a:fld id="{009A3451-371B-4910-B457-23E4DC0D29D3}" type="datetimeFigureOut">
               <a:rPr lang="en-IN" smtClean="0"/>
-              <a:t>26/03/25</a:t>
+              <a:t>27/03/25</a:t>
             </a:fld>
             <a:endParaRPr lang="en-IN"/>
           </a:p>
@@ -1829,7 +1829,7 @@
           <a:p>
             <a:fld id="{009A3451-371B-4910-B457-23E4DC0D29D3}" type="datetimeFigureOut">
               <a:rPr lang="en-IN" smtClean="0"/>
-              <a:t>26/03/25</a:t>
+              <a:t>27/03/25</a:t>
             </a:fld>
             <a:endParaRPr lang="en-IN"/>
           </a:p>
@@ -2106,7 +2106,7 @@
           <a:p>
             <a:fld id="{009A3451-371B-4910-B457-23E4DC0D29D3}" type="datetimeFigureOut">
               <a:rPr lang="en-IN" smtClean="0"/>
-              <a:t>26/03/25</a:t>
+              <a:t>27/03/25</a:t>
             </a:fld>
             <a:endParaRPr lang="en-IN"/>
           </a:p>
@@ -2359,7 +2359,7 @@
           <a:p>
             <a:fld id="{009A3451-371B-4910-B457-23E4DC0D29D3}" type="datetimeFigureOut">
               <a:rPr lang="en-IN" smtClean="0"/>
-              <a:t>26/03/25</a:t>
+              <a:t>27/03/25</a:t>
             </a:fld>
             <a:endParaRPr lang="en-IN"/>
           </a:p>
@@ -2572,7 +2572,7 @@
           <a:p>
             <a:fld id="{009A3451-371B-4910-B457-23E4DC0D29D3}" type="datetimeFigureOut">
               <a:rPr lang="en-IN" smtClean="0"/>
-              <a:t>26/03/25</a:t>
+              <a:t>27/03/25</a:t>
             </a:fld>
             <a:endParaRPr lang="en-IN"/>
           </a:p>
@@ -4950,7 +4950,7 @@
                 <a:latin typeface="Times New Roman" panose="02020603050405020304" pitchFamily="18" charset="0"/>
                 <a:cs typeface="Times New Roman" panose="02020603050405020304" pitchFamily="18" charset="0"/>
               </a:rPr>
-              <a:t>Precision Regulatory Rule Validation Ecosystem</a:t>
+              <a:t>Precision Regulatory Rule Validation</a:t>
             </a:r>
             <a:endParaRPr lang="en-IN" dirty="0">
               <a:solidFill>
@@ -5556,7 +5556,7 @@
                 <a:latin typeface="Times New Roman" panose="02020603050405020304" pitchFamily="18" charset="0"/>
                 <a:cs typeface="Times New Roman" panose="02020603050405020304" pitchFamily="18" charset="0"/>
               </a:rPr>
-              <a:t>Cybernetic Risk Intelligence Paradigm</a:t>
+              <a:t>Data Profiling and Remediation Actions </a:t>
             </a:r>
           </a:p>
         </p:txBody>
@@ -5637,6 +5637,149 @@
           </a:prstGeom>
         </p:spPr>
       </p:pic>
+      <p:sp>
+        <p:nvSpPr>
+          <p:cNvPr id="7" name="Rectangle 6">
+            <a:extLst>
+              <a:ext uri="{FF2B5EF4-FFF2-40B4-BE49-F238E27FC236}">
+                <a16:creationId xmlns:a16="http://schemas.microsoft.com/office/drawing/2014/main" id="{8DFA998C-8E6E-A2A9-6B1E-8F2141F7181B}"/>
+              </a:ext>
+            </a:extLst>
+          </p:cNvPr>
+          <p:cNvSpPr/>
+          <p:nvPr/>
+        </p:nvSpPr>
+        <p:spPr>
+          <a:xfrm>
+            <a:off x="543911" y="1690276"/>
+            <a:ext cx="2502000" cy="1692771"/>
+          </a:xfrm>
+          <a:prstGeom prst="rect">
+            <a:avLst/>
+          </a:prstGeom>
+        </p:spPr>
+        <p:txBody>
+          <a:bodyPr wrap="square">
+            <a:spAutoFit/>
+          </a:bodyPr>
+          <a:lstStyle/>
+          <a:p>
+            <a:endParaRPr lang="en-IN" sz="1300" b="1" dirty="0">
+              <a:latin typeface="Times New Roman" panose="02020603050405020304" pitchFamily="18" charset="0"/>
+              <a:cs typeface="Times New Roman" panose="02020603050405020304" pitchFamily="18" charset="0"/>
+            </a:endParaRPr>
+          </a:p>
+          <a:p>
+            <a:r>
+              <a:rPr lang="en-IN" sz="1300" b="1" dirty="0">
+                <a:latin typeface="Times New Roman" panose="02020603050405020304" pitchFamily="18" charset="0"/>
+                <a:cs typeface="Times New Roman" panose="02020603050405020304" pitchFamily="18" charset="0"/>
+              </a:rPr>
+              <a:t>Data Profiling &amp; Validation Mechanism</a:t>
+            </a:r>
+            <a:r>
+              <a:rPr lang="en-IN" sz="1300" dirty="0">
+                <a:latin typeface="Times New Roman" panose="02020603050405020304" pitchFamily="18" charset="0"/>
+                <a:cs typeface="Times New Roman" panose="02020603050405020304" pitchFamily="18" charset="0"/>
+              </a:rPr>
+              <a:t> </a:t>
+            </a:r>
+          </a:p>
+          <a:p>
+            <a:pPr marL="285750" indent="-285750">
+              <a:buFont typeface="Arial" panose="020B0604020202020204" pitchFamily="34" charset="0"/>
+              <a:buChar char="•"/>
+            </a:pPr>
+            <a:r>
+              <a:rPr lang="en-IN" sz="1300" dirty="0">
+                <a:latin typeface="Times New Roman" panose="02020603050405020304" pitchFamily="18" charset="0"/>
+                <a:cs typeface="Times New Roman" panose="02020603050405020304" pitchFamily="18" charset="0"/>
+              </a:rPr>
+              <a:t>Grok AI Engines</a:t>
+            </a:r>
+          </a:p>
+          <a:p>
+            <a:pPr marL="285750" indent="-285750">
+              <a:buFont typeface="Arial" panose="020B0604020202020204" pitchFamily="34" charset="0"/>
+              <a:buChar char="•"/>
+            </a:pPr>
+            <a:r>
+              <a:rPr lang="en-IN" sz="1300" dirty="0">
+                <a:latin typeface="Times New Roman" panose="02020603050405020304" pitchFamily="18" charset="0"/>
+                <a:cs typeface="Times New Roman" panose="02020603050405020304" pitchFamily="18" charset="0"/>
+              </a:rPr>
+              <a:t>Simultaneous rule cross-referencing</a:t>
+            </a:r>
+          </a:p>
+          <a:p>
+            <a:pPr marL="285750" indent="-285750">
+              <a:buFont typeface="Arial" panose="020B0604020202020204" pitchFamily="34" charset="0"/>
+              <a:buChar char="•"/>
+            </a:pPr>
+            <a:r>
+              <a:rPr lang="en-IN" sz="1300" dirty="0">
+                <a:latin typeface="Times New Roman" panose="02020603050405020304" pitchFamily="18" charset="0"/>
+                <a:cs typeface="Times New Roman" panose="02020603050405020304" pitchFamily="18" charset="0"/>
+              </a:rPr>
+              <a:t>Probabilistic rule compliance verification</a:t>
+            </a:r>
+          </a:p>
+        </p:txBody>
+      </p:sp>
+      <p:sp>
+        <p:nvSpPr>
+          <p:cNvPr id="8" name="Right Arrow 7">
+            <a:extLst>
+              <a:ext uri="{FF2B5EF4-FFF2-40B4-BE49-F238E27FC236}">
+                <a16:creationId xmlns:a16="http://schemas.microsoft.com/office/drawing/2014/main" id="{D03E947C-0EBD-500B-CBDF-E6D20A2C8534}"/>
+              </a:ext>
+            </a:extLst>
+          </p:cNvPr>
+          <p:cNvSpPr/>
+          <p:nvPr/>
+        </p:nvSpPr>
+        <p:spPr>
+          <a:xfrm>
+            <a:off x="413070" y="3590105"/>
+            <a:ext cx="2632841" cy="315310"/>
+          </a:xfrm>
+          <a:prstGeom prst="rightArrow">
+            <a:avLst/>
+          </a:prstGeom>
+          <a:solidFill>
+            <a:srgbClr val="FFC000"/>
+          </a:solidFill>
+          <a:ln>
+            <a:solidFill>
+              <a:srgbClr val="FF0000"/>
+            </a:solidFill>
+          </a:ln>
+        </p:spPr>
+        <p:style>
+          <a:lnRef idx="2">
+            <a:schemeClr val="accent1">
+              <a:shade val="15000"/>
+            </a:schemeClr>
+          </a:lnRef>
+          <a:fillRef idx="1">
+            <a:schemeClr val="accent1"/>
+          </a:fillRef>
+          <a:effectRef idx="0">
+            <a:schemeClr val="accent1"/>
+          </a:effectRef>
+          <a:fontRef idx="minor">
+            <a:schemeClr val="lt1"/>
+          </a:fontRef>
+        </p:style>
+        <p:txBody>
+          <a:bodyPr rtlCol="0" anchor="ctr"/>
+          <a:lstStyle/>
+          <a:p>
+            <a:pPr algn="ctr"/>
+            <a:endParaRPr lang="en-US" dirty="0"/>
+          </a:p>
+        </p:txBody>
+      </p:sp>
     </p:spTree>
     <p:extLst>
       <p:ext uri="{BB962C8B-B14F-4D97-AF65-F5344CB8AC3E}">
@@ -5677,7 +5820,12 @@
             <p:ph type="title"/>
           </p:nvPr>
         </p:nvSpPr>
-        <p:spPr/>
+        <p:spPr>
+          <a:xfrm>
+            <a:off x="441593" y="144788"/>
+            <a:ext cx="10515600" cy="1325563"/>
+          </a:xfrm>
+        </p:spPr>
         <p:txBody>
           <a:bodyPr/>
           <a:lstStyle/>
@@ -5699,6 +5847,215 @@
               <a:latin typeface="Times New Roman" panose="02020603050405020304" pitchFamily="18" charset="0"/>
               <a:cs typeface="Times New Roman" panose="02020603050405020304" pitchFamily="18" charset="0"/>
             </a:endParaRPr>
+          </a:p>
+        </p:txBody>
+      </p:sp>
+      <p:pic>
+        <p:nvPicPr>
+          <p:cNvPr id="4" name="Graphic 3" descr="Presentation with pie chart">
+            <a:extLst>
+              <a:ext uri="{FF2B5EF4-FFF2-40B4-BE49-F238E27FC236}">
+                <a16:creationId xmlns:a16="http://schemas.microsoft.com/office/drawing/2014/main" id="{787FC48B-F975-EED3-3B9F-2B3019CF8AC7}"/>
+              </a:ext>
+            </a:extLst>
+          </p:cNvPr>
+          <p:cNvPicPr>
+            <a:picLocks noChangeAspect="1"/>
+          </p:cNvPicPr>
+          <p:nvPr/>
+        </p:nvPicPr>
+        <p:blipFill>
+          <a:blip r:embed="rId2">
+            <a:extLst>
+              <a:ext uri="{28A0092B-C50C-407E-A947-70E740481C1C}">
+                <a14:useLocalDpi xmlns:a14="http://schemas.microsoft.com/office/drawing/2010/main" val="0"/>
+              </a:ext>
+              <a:ext uri="{96DAC541-7B7A-43D3-8B79-37D633B846F1}">
+                <asvg:svgBlip xmlns:asvg="http://schemas.microsoft.com/office/drawing/2016/SVG/main" r:embed="rId3"/>
+              </a:ext>
+            </a:extLst>
+          </a:blip>
+          <a:stretch>
+            <a:fillRect/>
+          </a:stretch>
+        </p:blipFill>
+        <p:spPr>
+          <a:xfrm>
+            <a:off x="1496290" y="1357745"/>
+            <a:ext cx="3290455" cy="3290455"/>
+          </a:xfrm>
+          <a:prstGeom prst="rect">
+            <a:avLst/>
+          </a:prstGeom>
+        </p:spPr>
+      </p:pic>
+      <p:pic>
+        <p:nvPicPr>
+          <p:cNvPr id="5" name="Graphic 4" descr="Presentation with pie chart">
+            <a:extLst>
+              <a:ext uri="{FF2B5EF4-FFF2-40B4-BE49-F238E27FC236}">
+                <a16:creationId xmlns:a16="http://schemas.microsoft.com/office/drawing/2014/main" id="{B316DAE4-2BE4-BC91-164A-DDE6E80BE88F}"/>
+              </a:ext>
+            </a:extLst>
+          </p:cNvPr>
+          <p:cNvPicPr>
+            <a:picLocks noChangeAspect="1"/>
+          </p:cNvPicPr>
+          <p:nvPr/>
+        </p:nvPicPr>
+        <p:blipFill>
+          <a:blip r:embed="rId2">
+            <a:extLst>
+              <a:ext uri="{28A0092B-C50C-407E-A947-70E740481C1C}">
+                <a14:useLocalDpi xmlns:a14="http://schemas.microsoft.com/office/drawing/2010/main" val="0"/>
+              </a:ext>
+              <a:ext uri="{96DAC541-7B7A-43D3-8B79-37D633B846F1}">
+                <asvg:svgBlip xmlns:asvg="http://schemas.microsoft.com/office/drawing/2016/SVG/main" r:embed="rId3"/>
+              </a:ext>
+            </a:extLst>
+          </a:blip>
+          <a:stretch>
+            <a:fillRect/>
+          </a:stretch>
+        </p:blipFill>
+        <p:spPr>
+          <a:xfrm>
+            <a:off x="7010400" y="1357745"/>
+            <a:ext cx="3290455" cy="3290455"/>
+          </a:xfrm>
+          <a:prstGeom prst="rect">
+            <a:avLst/>
+          </a:prstGeom>
+        </p:spPr>
+      </p:pic>
+      <p:sp>
+        <p:nvSpPr>
+          <p:cNvPr id="7" name="TextBox 6">
+            <a:extLst>
+              <a:ext uri="{FF2B5EF4-FFF2-40B4-BE49-F238E27FC236}">
+                <a16:creationId xmlns:a16="http://schemas.microsoft.com/office/drawing/2014/main" id="{B938922E-8A5B-5669-3F8B-331E2BDBB782}"/>
+              </a:ext>
+            </a:extLst>
+          </p:cNvPr>
+          <p:cNvSpPr txBox="1"/>
+          <p:nvPr/>
+        </p:nvSpPr>
+        <p:spPr>
+          <a:xfrm>
+            <a:off x="-34634" y="4853923"/>
+            <a:ext cx="6096000" cy="646331"/>
+          </a:xfrm>
+          <a:prstGeom prst="rect">
+            <a:avLst/>
+          </a:prstGeom>
+          <a:noFill/>
+        </p:spPr>
+        <p:txBody>
+          <a:bodyPr wrap="square">
+            <a:spAutoFit/>
+          </a:bodyPr>
+          <a:lstStyle/>
+          <a:p>
+            <a:pPr algn="ctr"/>
+            <a:r>
+              <a:rPr lang="en-IN" b="0" i="0" u="sng" dirty="0">
+                <a:effectLst/>
+                <a:latin typeface="-apple-system"/>
+                <a:hlinkClick r:id="rId4"/>
+              </a:rPr>
+              <a:t>https://drive.google.com/file/d/1DO-Uj6YmKLjXbRI6ugxNdlBsdvWhHYEg/view?usp=sharing</a:t>
+            </a:r>
+            <a:endParaRPr lang="en-US" dirty="0"/>
+          </a:p>
+        </p:txBody>
+      </p:sp>
+      <p:sp>
+        <p:nvSpPr>
+          <p:cNvPr id="9" name="TextBox 8">
+            <a:extLst>
+              <a:ext uri="{FF2B5EF4-FFF2-40B4-BE49-F238E27FC236}">
+                <a16:creationId xmlns:a16="http://schemas.microsoft.com/office/drawing/2014/main" id="{94044ACF-47FB-EBEC-1C7A-36BD1C0D626A}"/>
+              </a:ext>
+            </a:extLst>
+          </p:cNvPr>
+          <p:cNvSpPr txBox="1"/>
+          <p:nvPr/>
+        </p:nvSpPr>
+        <p:spPr>
+          <a:xfrm>
+            <a:off x="6061366" y="4853923"/>
+            <a:ext cx="6096000" cy="646331"/>
+          </a:xfrm>
+          <a:prstGeom prst="rect">
+            <a:avLst/>
+          </a:prstGeom>
+          <a:noFill/>
+        </p:spPr>
+        <p:txBody>
+          <a:bodyPr wrap="square">
+            <a:spAutoFit/>
+          </a:bodyPr>
+          <a:lstStyle/>
+          <a:p>
+            <a:pPr algn="ctr"/>
+            <a:r>
+              <a:rPr lang="en-IN" b="0" i="0" u="sng" dirty="0">
+                <a:effectLst/>
+                <a:latin typeface="-apple-system"/>
+                <a:hlinkClick r:id="rId5"/>
+              </a:rPr>
+              <a:t>https://drive.google.com/file/d/1uItA6BugbqC8IujQAPtql1u00jzumaOi/view?usp=sharing</a:t>
+            </a:r>
+            <a:endParaRPr lang="en-US" dirty="0"/>
+          </a:p>
+        </p:txBody>
+      </p:sp>
+      <p:sp>
+        <p:nvSpPr>
+          <p:cNvPr id="11" name="Rectangle 10">
+            <a:extLst>
+              <a:ext uri="{FF2B5EF4-FFF2-40B4-BE49-F238E27FC236}">
+                <a16:creationId xmlns:a16="http://schemas.microsoft.com/office/drawing/2014/main" id="{DB9D3253-5762-1B52-CABF-1505A0AF8513}"/>
+              </a:ext>
+            </a:extLst>
+          </p:cNvPr>
+          <p:cNvSpPr/>
+          <p:nvPr/>
+        </p:nvSpPr>
+        <p:spPr>
+          <a:xfrm>
+            <a:off x="5879502" y="623455"/>
+            <a:ext cx="216498" cy="6234545"/>
+          </a:xfrm>
+          <a:prstGeom prst="rect">
+            <a:avLst/>
+          </a:prstGeom>
+          <a:solidFill>
+            <a:schemeClr val="accent2"/>
+          </a:solidFill>
+        </p:spPr>
+        <p:style>
+          <a:lnRef idx="2">
+            <a:schemeClr val="accent1">
+              <a:shade val="15000"/>
+            </a:schemeClr>
+          </a:lnRef>
+          <a:fillRef idx="1">
+            <a:schemeClr val="accent1"/>
+          </a:fillRef>
+          <a:effectRef idx="0">
+            <a:schemeClr val="accent1"/>
+          </a:effectRef>
+          <a:fontRef idx="minor">
+            <a:schemeClr val="lt1"/>
+          </a:fontRef>
+        </p:style>
+        <p:txBody>
+          <a:bodyPr rtlCol="0" anchor="ctr"/>
+          <a:lstStyle/>
+          <a:p>
+            <a:pPr algn="ctr"/>
+            <a:endParaRPr lang="en-US"/>
           </a:p>
         </p:txBody>
       </p:sp>
